--- a/ref/v1/Summoner_app.pptx
+++ b/ref/v1/Summoner_app.pptx
@@ -140,6 +140,7 @@
 <file path=ppt/revisionInfo.xml><?xml version="1.0" encoding="utf-8"?>
 <p1510:revInfo xmlns:a="http://schemas.openxmlformats.org/drawingml/2006/main" xmlns:r="http://schemas.openxmlformats.org/officeDocument/2006/relationships" xmlns:p1510="http://schemas.microsoft.com/office/powerpoint/2015/10/main">
   <p1510:revLst>
+    <p1510:client id="{2A641BA3-7930-CBDA-38B4-B1EA8A239875}" v="7" dt="2025-04-16T12:28:14.822"/>
     <p1510:client id="{40E808C1-D325-B61A-3D1F-509D2E6824DA}" v="3519" dt="2025-04-16T11:47:45.870"/>
   </p1510:revLst>
 </p1510:revInfo>
@@ -8347,36 +8348,6 @@
           </a:p>
         </p:txBody>
       </p:sp>
-      <p:pic>
-        <p:nvPicPr>
-          <p:cNvPr id="2" name="Picture 1">
-            <a:extLst>
-              <a:ext uri="{FF2B5EF4-FFF2-40B4-BE49-F238E27FC236}">
-                <a16:creationId xmlns:a16="http://schemas.microsoft.com/office/drawing/2014/main" id="{C9538DE6-F1BE-15B5-0D2D-F4C4CA27FBAB}"/>
-              </a:ext>
-            </a:extLst>
-          </p:cNvPr>
-          <p:cNvPicPr>
-            <a:picLocks noChangeAspect="1"/>
-          </p:cNvPicPr>
-          <p:nvPr/>
-        </p:nvPicPr>
-        <p:blipFill>
-          <a:blip r:embed="rId2"/>
-          <a:stretch>
-            <a:fillRect/>
-          </a:stretch>
-        </p:blipFill>
-        <p:spPr>
-          <a:xfrm>
-            <a:off x="2878259" y="3605823"/>
-            <a:ext cx="339482" cy="418123"/>
-          </a:xfrm>
-          <a:prstGeom prst="rect">
-            <a:avLst/>
-          </a:prstGeom>
-        </p:spPr>
-      </p:pic>
       <p:sp>
         <p:nvSpPr>
           <p:cNvPr id="5" name="Rectangle: Rounded Corners 4">
@@ -8572,7 +8543,7 @@
           <p:nvPr/>
         </p:nvPicPr>
         <p:blipFill>
-          <a:blip r:embed="rId3"/>
+          <a:blip r:embed="rId2"/>
           <a:stretch>
             <a:fillRect/>
           </a:stretch>
@@ -8659,7 +8630,7 @@
           <p:nvPr/>
         </p:nvPicPr>
         <p:blipFill>
-          <a:blip r:embed="rId2"/>
+          <a:blip r:embed="rId3"/>
           <a:stretch>
             <a:fillRect/>
           </a:stretch>
